--- a/BaoCaoDoAn.pptx
+++ b/BaoCaoDoAn.pptx
@@ -126,6 +126,11 @@
       </a:defRPr>
     </a:lvl9pPr>
   </p:defaultTextStyle>
+  <p:extLst>
+    <p:ext uri="{EFAFB233-063F-42B5-8137-9DF3F51BA10A}">
+      <p15:sldGuideLst xmlns:p15="http://schemas.microsoft.com/office/powerpoint/2012/main"/>
+    </p:ext>
+  </p:extLst>
 </p:presentation>
 </file>
 
@@ -8712,6 +8717,9 @@
   <p:clrMapOvr>
     <a:masterClrMapping/>
   </p:clrMapOvr>
+  <p:transition spd="slow">
+    <p:push dir="u"/>
+  </p:transition>
 </p:sld>
 </file>
 
@@ -9108,6 +9116,9 @@
   <p:clrMapOvr>
     <a:masterClrMapping/>
   </p:clrMapOvr>
+  <p:transition spd="slow">
+    <p:push dir="u"/>
+  </p:transition>
   <p:timing>
     <p:tnLst>
       <p:par>
@@ -9728,6 +9739,9 @@
   <p:clrMapOvr>
     <a:masterClrMapping/>
   </p:clrMapOvr>
+  <p:transition spd="slow">
+    <p:push dir="u"/>
+  </p:transition>
   <p:timing>
     <p:tnLst>
       <p:par>
@@ -10424,6 +10438,9 @@
   <p:clrMapOvr>
     <a:masterClrMapping/>
   </p:clrMapOvr>
+  <p:transition spd="slow">
+    <p:push dir="u"/>
+  </p:transition>
   <p:timing>
     <p:tnLst>
       <p:par>
@@ -10540,7 +10557,7 @@
                                   <p:childTnLst>
                                     <p:animMotion origin="layout" path="M -2.08333E-6 1.48148E-6 L 0.00026 -0.18658 " pathEditMode="relative" rAng="0" ptsTypes="AA">
                                       <p:cBhvr>
-                                        <p:cTn id="14" dur="2000" fill="hold"/>
+                                        <p:cTn id="14" dur="1000" fill="hold"/>
                                         <p:tgtEl>
                                           <p:spTgt spid="35"/>
                                         </p:tgtEl>
@@ -11147,6 +11164,9 @@
   <p:clrMapOvr>
     <a:masterClrMapping/>
   </p:clrMapOvr>
+  <p:transition spd="slow">
+    <p:push dir="u"/>
+  </p:transition>
   <p:timing>
     <p:tnLst>
       <p:par>
@@ -11263,7 +11283,7 @@
                                   <p:childTnLst>
                                     <p:animMotion origin="layout" path="M -2.08333E-6 3.7037E-7 L 0.00026 -0.37269 " pathEditMode="relative" rAng="0" ptsTypes="AA">
                                       <p:cBhvr>
-                                        <p:cTn id="14" dur="2000" fill="hold"/>
+                                        <p:cTn id="14" dur="1000" fill="hold"/>
                                         <p:tgtEl>
                                           <p:spTgt spid="36"/>
                                         </p:tgtEl>
@@ -11397,6 +11417,59 @@
                                         <p:strVal val="hidden"/>
                                       </p:to>
                                     </p:set>
+                                  </p:childTnLst>
+                                </p:cTn>
+                              </p:par>
+                            </p:childTnLst>
+                          </p:cTn>
+                        </p:par>
+                      </p:childTnLst>
+                    </p:cTn>
+                  </p:par>
+                  <p:par>
+                    <p:cTn id="26" fill="hold">
+                      <p:stCondLst>
+                        <p:cond delay="indefinite"/>
+                      </p:stCondLst>
+                      <p:childTnLst>
+                        <p:par>
+                          <p:cTn id="27" fill="hold">
+                            <p:stCondLst>
+                              <p:cond delay="0"/>
+                            </p:stCondLst>
+                            <p:childTnLst>
+                              <p:par>
+                                <p:cTn id="28" presetID="10" presetClass="entr" presetSubtype="0" fill="hold" nodeType="clickEffect">
+                                  <p:stCondLst>
+                                    <p:cond delay="0"/>
+                                  </p:stCondLst>
+                                  <p:childTnLst>
+                                    <p:set>
+                                      <p:cBhvr>
+                                        <p:cTn id="29" dur="1" fill="hold">
+                                          <p:stCondLst>
+                                            <p:cond delay="0"/>
+                                          </p:stCondLst>
+                                        </p:cTn>
+                                        <p:tgtEl>
+                                          <p:spTgt spid="7"/>
+                                        </p:tgtEl>
+                                        <p:attrNameLst>
+                                          <p:attrName>style.visibility</p:attrName>
+                                        </p:attrNameLst>
+                                      </p:cBhvr>
+                                      <p:to>
+                                        <p:strVal val="visible"/>
+                                      </p:to>
+                                    </p:set>
+                                    <p:animEffect transition="in" filter="fade">
+                                      <p:cBhvr>
+                                        <p:cTn id="30" dur="250"/>
+                                        <p:tgtEl>
+                                          <p:spTgt spid="7"/>
+                                        </p:tgtEl>
+                                      </p:cBhvr>
+                                    </p:animEffect>
                                   </p:childTnLst>
                                 </p:cTn>
                               </p:par>
@@ -12375,7 +12448,7 @@
                                   <p:childTnLst>
                                     <p:animMotion origin="layout" path="M -1.875E-6 -1.85185E-6 L 0.00026 -0.44861 " pathEditMode="relative" rAng="0" ptsTypes="AA">
                                       <p:cBhvr>
-                                        <p:cTn id="20" dur="2000" fill="hold"/>
+                                        <p:cTn id="20" dur="1000" fill="hold"/>
                                         <p:tgtEl>
                                           <p:spTgt spid="7"/>
                                         </p:tgtEl>
@@ -12691,6 +12764,9 @@
   <p:clrMapOvr>
     <a:masterClrMapping/>
   </p:clrMapOvr>
+  <p:transition spd="slow">
+    <p:push dir="u"/>
+  </p:transition>
   <p:timing>
     <p:tnLst>
       <p:par>
@@ -13074,6 +13150,9 @@
   <p:clrMapOvr>
     <a:masterClrMapping/>
   </p:clrMapOvr>
+  <p:transition spd="slow">
+    <p:push dir="u"/>
+  </p:transition>
   <p:timing>
     <p:tnLst>
       <p:par>
@@ -14203,7 +14282,7 @@
                                   <p:childTnLst>
                                     <p:animMotion origin="layout" path="M -1.875E-6 -1.85185E-6 L 0.00026 -0.59236 " pathEditMode="relative" rAng="0" ptsTypes="AA">
                                       <p:cBhvr>
-                                        <p:cTn id="20" dur="2000" fill="hold"/>
+                                        <p:cTn id="20" dur="1000" fill="hold"/>
                                         <p:tgtEl>
                                           <p:spTgt spid="8"/>
                                         </p:tgtEl>
@@ -14611,6 +14690,9 @@
   <p:clrMapOvr>
     <a:masterClrMapping/>
   </p:clrMapOvr>
+  <p:transition spd="slow">
+    <p:push dir="u"/>
+  </p:transition>
   <p:timing>
     <p:tnLst>
       <p:par>
@@ -15140,6 +15222,9 @@
   <p:clrMapOvr>
     <a:masterClrMapping/>
   </p:clrMapOvr>
+  <p:transition spd="slow">
+    <p:push dir="u"/>
+  </p:transition>
   <p:timing>
     <p:tnLst>
       <p:par>
@@ -16225,6 +16310,9 @@
             <a:pPr algn="ctr"/>
             <a:r>
               <a:rPr lang="en-US" sz="5000" dirty="0" err="1">
+                <a:solidFill>
+                  <a:schemeClr val="tx1"/>
+                </a:solidFill>
                 <a:latin typeface="Times New Roman" panose="02020603050405020304" pitchFamily="18" charset="0"/>
                 <a:cs typeface="Times New Roman" panose="02020603050405020304" pitchFamily="18" charset="0"/>
               </a:rPr>
@@ -16232,6 +16320,9 @@
             </a:r>
             <a:r>
               <a:rPr lang="en-US" sz="5000" dirty="0">
+                <a:solidFill>
+                  <a:schemeClr val="tx1"/>
+                </a:solidFill>
                 <a:latin typeface="Times New Roman" panose="02020603050405020304" pitchFamily="18" charset="0"/>
                 <a:cs typeface="Times New Roman" panose="02020603050405020304" pitchFamily="18" charset="0"/>
               </a:rPr>
@@ -16239,6 +16330,9 @@
             </a:r>
             <a:r>
               <a:rPr lang="en-US" sz="5000" dirty="0" err="1">
+                <a:solidFill>
+                  <a:schemeClr val="tx1"/>
+                </a:solidFill>
                 <a:latin typeface="Times New Roman" panose="02020603050405020304" pitchFamily="18" charset="0"/>
                 <a:cs typeface="Times New Roman" panose="02020603050405020304" pitchFamily="18" charset="0"/>
               </a:rPr>
@@ -16246,6 +16340,9 @@
             </a:r>
             <a:r>
               <a:rPr lang="en-US" sz="5000" dirty="0">
+                <a:solidFill>
+                  <a:schemeClr val="tx1"/>
+                </a:solidFill>
                 <a:latin typeface="Times New Roman" panose="02020603050405020304" pitchFamily="18" charset="0"/>
                 <a:cs typeface="Times New Roman" panose="02020603050405020304" pitchFamily="18" charset="0"/>
               </a:rPr>
@@ -16253,6 +16350,9 @@
             </a:r>
             <a:r>
               <a:rPr lang="en-US" sz="5000" dirty="0" err="1">
+                <a:solidFill>
+                  <a:schemeClr val="tx1"/>
+                </a:solidFill>
                 <a:latin typeface="Times New Roman" panose="02020603050405020304" pitchFamily="18" charset="0"/>
                 <a:cs typeface="Times New Roman" panose="02020603050405020304" pitchFamily="18" charset="0"/>
               </a:rPr>
@@ -16260,6 +16360,9 @@
             </a:r>
             <a:r>
               <a:rPr lang="en-US" sz="5000" dirty="0">
+                <a:solidFill>
+                  <a:schemeClr val="tx1"/>
+                </a:solidFill>
                 <a:latin typeface="Times New Roman" panose="02020603050405020304" pitchFamily="18" charset="0"/>
                 <a:cs typeface="Times New Roman" panose="02020603050405020304" pitchFamily="18" charset="0"/>
               </a:rPr>
@@ -16267,6 +16370,9 @@
             </a:r>
             <a:r>
               <a:rPr lang="en-US" sz="5000" dirty="0" err="1">
+                <a:solidFill>
+                  <a:schemeClr val="tx1"/>
+                </a:solidFill>
                 <a:latin typeface="Times New Roman" panose="02020603050405020304" pitchFamily="18" charset="0"/>
                 <a:cs typeface="Times New Roman" panose="02020603050405020304" pitchFamily="18" charset="0"/>
               </a:rPr>
@@ -16274,6 +16380,9 @@
             </a:r>
             <a:r>
               <a:rPr lang="en-US" sz="5000" dirty="0">
+                <a:solidFill>
+                  <a:schemeClr val="tx1"/>
+                </a:solidFill>
                 <a:latin typeface="Times New Roman" panose="02020603050405020304" pitchFamily="18" charset="0"/>
                 <a:cs typeface="Times New Roman" panose="02020603050405020304" pitchFamily="18" charset="0"/>
               </a:rPr>
@@ -16281,6 +16390,9 @@
             </a:r>
             <a:r>
               <a:rPr lang="en-US" sz="5000" dirty="0" err="1">
+                <a:solidFill>
+                  <a:schemeClr val="tx1"/>
+                </a:solidFill>
                 <a:latin typeface="Times New Roman" panose="02020603050405020304" pitchFamily="18" charset="0"/>
                 <a:cs typeface="Times New Roman" panose="02020603050405020304" pitchFamily="18" charset="0"/>
               </a:rPr>
@@ -16288,6 +16400,9 @@
             </a:r>
             <a:r>
               <a:rPr lang="en-US" sz="5000" dirty="0">
+                <a:solidFill>
+                  <a:schemeClr val="tx1"/>
+                </a:solidFill>
                 <a:latin typeface="Times New Roman" panose="02020603050405020304" pitchFamily="18" charset="0"/>
                 <a:cs typeface="Times New Roman" panose="02020603050405020304" pitchFamily="18" charset="0"/>
               </a:rPr>
@@ -16295,6 +16410,9 @@
             </a:r>
             <a:r>
               <a:rPr lang="en-US" sz="5000" dirty="0" err="1">
+                <a:solidFill>
+                  <a:schemeClr val="tx1"/>
+                </a:solidFill>
                 <a:latin typeface="Times New Roman" panose="02020603050405020304" pitchFamily="18" charset="0"/>
                 <a:cs typeface="Times New Roman" panose="02020603050405020304" pitchFamily="18" charset="0"/>
               </a:rPr>
@@ -16302,6 +16420,9 @@
             </a:r>
             <a:r>
               <a:rPr lang="en-US" sz="5000" dirty="0">
+                <a:solidFill>
+                  <a:schemeClr val="tx1"/>
+                </a:solidFill>
                 <a:latin typeface="Times New Roman" panose="02020603050405020304" pitchFamily="18" charset="0"/>
                 <a:cs typeface="Times New Roman" panose="02020603050405020304" pitchFamily="18" charset="0"/>
               </a:rPr>
@@ -16309,6 +16430,9 @@
             </a:r>
             <a:r>
               <a:rPr lang="en-US" sz="5000" dirty="0" err="1">
+                <a:solidFill>
+                  <a:schemeClr val="tx1"/>
+                </a:solidFill>
                 <a:latin typeface="Times New Roman" panose="02020603050405020304" pitchFamily="18" charset="0"/>
                 <a:cs typeface="Times New Roman" panose="02020603050405020304" pitchFamily="18" charset="0"/>
               </a:rPr>
@@ -16316,6 +16440,9 @@
             </a:r>
             <a:r>
               <a:rPr lang="en-US" sz="5000" dirty="0">
+                <a:solidFill>
+                  <a:schemeClr val="tx1"/>
+                </a:solidFill>
                 <a:latin typeface="Times New Roman" panose="02020603050405020304" pitchFamily="18" charset="0"/>
                 <a:cs typeface="Times New Roman" panose="02020603050405020304" pitchFamily="18" charset="0"/>
               </a:rPr>
@@ -16323,6 +16450,9 @@
             </a:r>
             <a:r>
               <a:rPr lang="en-US" sz="5000" dirty="0" err="1">
+                <a:solidFill>
+                  <a:schemeClr val="tx1"/>
+                </a:solidFill>
                 <a:latin typeface="Times New Roman" panose="02020603050405020304" pitchFamily="18" charset="0"/>
                 <a:cs typeface="Times New Roman" panose="02020603050405020304" pitchFamily="18" charset="0"/>
               </a:rPr>
@@ -16330,6 +16460,9 @@
             </a:r>
             <a:r>
               <a:rPr lang="en-US" sz="5000" dirty="0">
+                <a:solidFill>
+                  <a:schemeClr val="tx1"/>
+                </a:solidFill>
                 <a:latin typeface="Times New Roman" panose="02020603050405020304" pitchFamily="18" charset="0"/>
                 <a:cs typeface="Times New Roman" panose="02020603050405020304" pitchFamily="18" charset="0"/>
               </a:rPr>
@@ -16337,6 +16470,9 @@
             </a:r>
             <a:r>
               <a:rPr lang="en-US" sz="5000" dirty="0" err="1">
+                <a:solidFill>
+                  <a:schemeClr val="tx1"/>
+                </a:solidFill>
                 <a:latin typeface="Times New Roman" panose="02020603050405020304" pitchFamily="18" charset="0"/>
                 <a:cs typeface="Times New Roman" panose="02020603050405020304" pitchFamily="18" charset="0"/>
               </a:rPr>
@@ -16344,6 +16480,9 @@
             </a:r>
             <a:r>
               <a:rPr lang="en-US" sz="5000" dirty="0">
+                <a:solidFill>
+                  <a:schemeClr val="tx1"/>
+                </a:solidFill>
                 <a:latin typeface="Times New Roman" panose="02020603050405020304" pitchFamily="18" charset="0"/>
                 <a:cs typeface="Times New Roman" panose="02020603050405020304" pitchFamily="18" charset="0"/>
               </a:rPr>
@@ -16351,12 +16490,18 @@
             </a:r>
             <a:r>
               <a:rPr lang="en-US" sz="5000" dirty="0" err="1">
+                <a:solidFill>
+                  <a:schemeClr val="tx1"/>
+                </a:solidFill>
                 <a:latin typeface="Times New Roman" panose="02020603050405020304" pitchFamily="18" charset="0"/>
                 <a:cs typeface="Times New Roman" panose="02020603050405020304" pitchFamily="18" charset="0"/>
               </a:rPr>
               <a:t>nghe</a:t>
             </a:r>
             <a:endParaRPr lang="vi-VN" sz="5000" dirty="0">
+              <a:solidFill>
+                <a:schemeClr val="tx1"/>
+              </a:solidFill>
               <a:latin typeface="Times New Roman" panose="02020603050405020304" pitchFamily="18" charset="0"/>
               <a:cs typeface="Times New Roman" panose="02020603050405020304" pitchFamily="18" charset="0"/>
             </a:endParaRPr>
@@ -16373,6 +16518,9 @@
   <p:clrMapOvr>
     <a:masterClrMapping/>
   </p:clrMapOvr>
+  <p:transition spd="slow">
+    <p:push dir="u"/>
+  </p:transition>
 </p:sld>
 </file>
 
@@ -16626,6 +16774,92 @@
   <p:clrMapOvr>
     <a:masterClrMapping/>
   </p:clrMapOvr>
+  <p:transition spd="slow">
+    <p:push dir="u"/>
+  </p:transition>
+  <p:timing>
+    <p:tnLst>
+      <p:par>
+        <p:cTn id="1" dur="indefinite" restart="never" nodeType="tmRoot">
+          <p:childTnLst>
+            <p:seq concurrent="1" nextAc="seek">
+              <p:cTn id="2" dur="indefinite" nodeType="mainSeq">
+                <p:childTnLst>
+                  <p:par>
+                    <p:cTn id="3" fill="hold">
+                      <p:stCondLst>
+                        <p:cond delay="indefinite"/>
+                      </p:stCondLst>
+                      <p:childTnLst>
+                        <p:par>
+                          <p:cTn id="4" fill="hold">
+                            <p:stCondLst>
+                              <p:cond delay="0"/>
+                            </p:stCondLst>
+                            <p:childTnLst>
+                              <p:par>
+                                <p:cTn id="5" presetID="22" presetClass="entr" presetSubtype="4" fill="hold" nodeType="clickEffect">
+                                  <p:stCondLst>
+                                    <p:cond delay="0"/>
+                                  </p:stCondLst>
+                                  <p:childTnLst>
+                                    <p:set>
+                                      <p:cBhvr>
+                                        <p:cTn id="6" dur="1" fill="hold">
+                                          <p:stCondLst>
+                                            <p:cond delay="0"/>
+                                          </p:stCondLst>
+                                        </p:cTn>
+                                        <p:tgtEl>
+                                          <p:spTgt spid="1026"/>
+                                        </p:tgtEl>
+                                        <p:attrNameLst>
+                                          <p:attrName>style.visibility</p:attrName>
+                                        </p:attrNameLst>
+                                      </p:cBhvr>
+                                      <p:to>
+                                        <p:strVal val="visible"/>
+                                      </p:to>
+                                    </p:set>
+                                    <p:animEffect transition="in" filter="wipe(down)">
+                                      <p:cBhvr>
+                                        <p:cTn id="7" dur="500"/>
+                                        <p:tgtEl>
+                                          <p:spTgt spid="1026"/>
+                                        </p:tgtEl>
+                                      </p:cBhvr>
+                                    </p:animEffect>
+                                  </p:childTnLst>
+                                </p:cTn>
+                              </p:par>
+                            </p:childTnLst>
+                          </p:cTn>
+                        </p:par>
+                      </p:childTnLst>
+                    </p:cTn>
+                  </p:par>
+                </p:childTnLst>
+              </p:cTn>
+              <p:prevCondLst>
+                <p:cond evt="onPrev" delay="0">
+                  <p:tgtEl>
+                    <p:sldTgt/>
+                  </p:tgtEl>
+                </p:cond>
+              </p:prevCondLst>
+              <p:nextCondLst>
+                <p:cond evt="onNext" delay="0">
+                  <p:tgtEl>
+                    <p:sldTgt/>
+                  </p:tgtEl>
+                </p:cond>
+              </p:nextCondLst>
+            </p:seq>
+          </p:childTnLst>
+        </p:cTn>
+      </p:par>
+    </p:tnLst>
+  </p:timing>
 </p:sld>
 </file>
 
@@ -17566,7 +17800,7 @@
                                   <p:childTnLst>
                                     <p:animMotion origin="layout" path="M -1.875E-6 -4.81481E-6 L 0.00091 -0.15532 " pathEditMode="relative" rAng="0" ptsTypes="AA">
                                       <p:cBhvr>
-                                        <p:cTn id="20" dur="2000" fill="hold"/>
+                                        <p:cTn id="20" dur="1000" fill="hold"/>
                                         <p:tgtEl>
                                           <p:spTgt spid="6"/>
                                         </p:tgtEl>
@@ -18315,6 +18549,9 @@
   <p:clrMapOvr>
     <a:masterClrMapping/>
   </p:clrMapOvr>
+  <p:transition spd="slow">
+    <p:push dir="u"/>
+  </p:transition>
   <p:timing>
     <p:tnLst>
       <p:par>
@@ -19590,6 +19827,9 @@
   <p:clrMapOvr>
     <a:masterClrMapping/>
   </p:clrMapOvr>
+  <p:transition spd="slow">
+    <p:push dir="u"/>
+  </p:transition>
   <p:timing>
     <p:tnLst>
       <p:par>
@@ -20764,6 +21004,9 @@
   <p:clrMapOvr>
     <a:masterClrMapping/>
   </p:clrMapOvr>
+  <p:transition spd="slow">
+    <p:push dir="u"/>
+  </p:transition>
   <p:timing>
     <p:tnLst>
       <p:par>
@@ -22304,6 +22547,9 @@
   <p:clrMapOvr>
     <a:masterClrMapping/>
   </p:clrMapOvr>
+  <p:transition spd="slow">
+    <p:push dir="u"/>
+  </p:transition>
   <p:timing>
     <p:tnLst>
       <p:par>
@@ -23490,7 +23736,7 @@
                                   <p:childTnLst>
                                     <p:animMotion origin="layout" path="M -1.875E-6 -1.85185E-6 L -0.00078 -0.30486 " pathEditMode="relative" rAng="0" ptsTypes="AA">
                                       <p:cBhvr>
-                                        <p:cTn id="20" dur="2000" fill="hold"/>
+                                        <p:cTn id="20" dur="1000" fill="hold"/>
                                         <p:tgtEl>
                                           <p:spTgt spid="5"/>
                                         </p:tgtEl>

--- a/BaoCaoDoAn.pptx
+++ b/BaoCaoDoAn.pptx
@@ -216,7 +216,7 @@
           <a:p>
             <a:fld id="{5FAE1646-85D0-4896-BBAF-4B30A2586235}" type="datetimeFigureOut">
               <a:rPr lang="en-US" smtClean="0"/>
-              <a:t>8/7/2021</a:t>
+              <a:t>8/11/2021</a:t>
             </a:fld>
             <a:endParaRPr lang="en-US"/>
           </a:p>
@@ -531,6 +531,30 @@
               <a:rPr lang="vi-VN"/>
               <a:t>Giới thiệu về E-learning</a:t>
             </a:r>
+            <a:r>
+              <a:rPr lang="en-US"/>
+              <a:t>:</a:t>
+            </a:r>
+          </a:p>
+          <a:p>
+            <a:pPr marL="171450" indent="-171450">
+              <a:buFontTx/>
+              <a:buChar char="-"/>
+            </a:pPr>
+            <a:r>
+              <a:rPr lang="vi-VN"/>
+              <a:t>Trong xu thế thời đại số, việc học tập trực tuyến cũng như ứng dụng khoa học công nghệ vào việc giáo dục cũng được chú trọng.</a:t>
+            </a:r>
+          </a:p>
+          <a:p>
+            <a:pPr marL="171450" indent="-171450">
+              <a:buFontTx/>
+              <a:buChar char="-"/>
+            </a:pPr>
+            <a:r>
+              <a:rPr lang="vi-VN"/>
+              <a:t> Có thể thấy như học trực tuyến trên MS teams, google meet, các khóa học online, các trang web hỗ trợ dạy học…</a:t>
+            </a:r>
           </a:p>
           <a:p>
             <a:r>
@@ -1152,7 +1176,7 @@
             </a:r>
             <a:r>
               <a:rPr lang="vi-VN"/>
-              <a:t>phương thức biểu diễn tri thức nhằm biểu diễn tất cả các thực thể cùng với các mối quan hệ giữa chúng. Có nhiều định nghĩa của ontology.</a:t>
+              <a:t>phương pháp biểu diễn tri thức nhằm biểu diễn tất cả các thực thể cùng với các mối quan hệ giữa chúng. Có nhiều định nghĩa của ontology.</a:t>
             </a:r>
           </a:p>
           <a:p>
@@ -1196,6 +1220,16 @@
             <a:r>
               <a:rPr lang="vi-VN"/>
               <a:t>-&gt; nhưng mang tinh đặc thù nên chỉ áp dụng cho kiến thức Toán bậc trung học phổ thông…</a:t>
+            </a:r>
+            <a:br>
+              <a:rPr lang="vi-VN"/>
+            </a:br>
+            <a:endParaRPr lang="vi-VN"/>
+          </a:p>
+          <a:p>
+            <a:r>
+              <a:rPr lang="vi-VN"/>
+              <a:t>Dẫn qua slide tiếp: Vì thế, chúng ta cần một ontology phù hợp với mô hình tra cứu kiến thức môn học</a:t>
             </a:r>
           </a:p>
         </p:txBody>
@@ -1645,7 +1679,7 @@
                 <a:latin typeface="Times New Roman" panose="02020603050405020304" pitchFamily="18" charset="0"/>
                 <a:cs typeface="Times New Roman" panose="02020603050405020304" pitchFamily="18" charset="0"/>
               </a:rPr>
-              <a:t>(C, R, Rules) là ontology biểu diễn tri thức quan hệ Real-model, với các khái niệm trong C được cải tiến về cấu trúc thành phần để biểu diễn chinh xác hơn ý nghĩa của khái niệm trong miền tri thức.</a:t>
+              <a:t>(C, R, Rules) là ontology biểu diễn tri thức quan hệ Real-model, với các khái niệm trong C được cải tiến về cấu trúc thành phần để biểu diễn chinh xác hơn ý nghĩa của khái niệm trong miền tri thức. Cải tiến chỗ nêu rõ được (Khái niệm, hoạt động, xây dựng/khởi tạo,…)</a:t>
             </a:r>
           </a:p>
           <a:p>
@@ -1658,11 +1692,24 @@
                 <a:latin typeface="Times New Roman" panose="02020603050405020304" pitchFamily="18" charset="0"/>
                 <a:cs typeface="Times New Roman" panose="02020603050405020304" pitchFamily="18" charset="0"/>
               </a:rPr>
+              <a:t>Thêm vào đó là các dạng bài tập và phương pháp giải</a:t>
+            </a:r>
+          </a:p>
+          <a:p>
+            <a:pPr marL="914400" lvl="1" indent="-457200">
+              <a:buFontTx/>
+              <a:buChar char="-"/>
+            </a:pPr>
+            <a:r>
+              <a:rPr lang="vi-VN" sz="1200">
+                <a:latin typeface="Times New Roman" panose="02020603050405020304" pitchFamily="18" charset="0"/>
+                <a:cs typeface="Times New Roman" panose="02020603050405020304" pitchFamily="18" charset="0"/>
+              </a:rPr>
               <a:t>EXER là tập hợp các dạng bài tập thông dụng trong kiến thức môn học, các dạng bài này là những bài tập cơ bản và đặc trưng của môn học</a:t>
             </a:r>
           </a:p>
           <a:p>
-            <a:pPr marL="457200" indent="-457200">
+            <a:pPr marL="914400" lvl="1" indent="-457200">
               <a:buFontTx/>
               <a:buChar char="-"/>
             </a:pPr>
@@ -2054,13 +2101,20 @@
             </a:endParaRPr>
           </a:p>
           <a:p>
+            <a:endParaRPr lang="vi-VN" sz="1800">
+              <a:effectLst/>
+              <a:latin typeface="Calibri" panose="020F0502020204030204" pitchFamily="34" charset="0"/>
+              <a:cs typeface="Times New Roman" panose="02020603050405020304" pitchFamily="18" charset="0"/>
+            </a:endParaRPr>
+          </a:p>
+          <a:p>
             <a:r>
               <a:rPr lang="vi-VN" sz="1800">
                 <a:effectLst/>
                 <a:latin typeface="Calibri" panose="020F0502020204030204" pitchFamily="34" charset="0"/>
                 <a:cs typeface="Times New Roman" panose="02020603050405020304" pitchFamily="18" charset="0"/>
               </a:rPr>
-              <a:t>Lưu đồ thuật toán trên biểu diễn th tổng hợp, ở đây chỉ có 1 miền tri thức ctdl</a:t>
+              <a:t>*Lưu đồ thuật toán trên biểu diễn th tổng hợp, ở đây chỉ có 1 miền tri thức ctdl</a:t>
             </a:r>
           </a:p>
           <a:p>
@@ -2072,6 +2126,13 @@
               </a:rPr>
               <a:t>Intelllectual: tri thức</a:t>
             </a:r>
+          </a:p>
+          <a:p>
+            <a:endParaRPr lang="vi-VN" sz="1800">
+              <a:effectLst/>
+              <a:latin typeface="Calibri" panose="020F0502020204030204" pitchFamily="34" charset="0"/>
+              <a:cs typeface="Times New Roman" panose="02020603050405020304" pitchFamily="18" charset="0"/>
+            </a:endParaRPr>
           </a:p>
           <a:p>
             <a:r>
@@ -3407,7 +3468,7 @@
           <a:p>
             <a:fld id="{910A7B94-B9CC-4B63-B0A0-7E7AC2BF170E}" type="datetimeFigureOut">
               <a:rPr lang="en-US" smtClean="0"/>
-              <a:t>8/7/2021</a:t>
+              <a:t>8/11/2021</a:t>
             </a:fld>
             <a:endParaRPr lang="en-US"/>
           </a:p>
@@ -3658,7 +3719,7 @@
           <a:p>
             <a:fld id="{910A7B94-B9CC-4B63-B0A0-7E7AC2BF170E}" type="datetimeFigureOut">
               <a:rPr lang="en-US" smtClean="0"/>
-              <a:t>8/7/2021</a:t>
+              <a:t>8/11/2021</a:t>
             </a:fld>
             <a:endParaRPr lang="en-US"/>
           </a:p>
@@ -3972,7 +4033,7 @@
           <a:p>
             <a:fld id="{910A7B94-B9CC-4B63-B0A0-7E7AC2BF170E}" type="datetimeFigureOut">
               <a:rPr lang="en-US" smtClean="0"/>
-              <a:t>8/7/2021</a:t>
+              <a:t>8/11/2021</a:t>
             </a:fld>
             <a:endParaRPr lang="en-US"/>
           </a:p>
@@ -4313,7 +4374,7 @@
           <a:p>
             <a:fld id="{910A7B94-B9CC-4B63-B0A0-7E7AC2BF170E}" type="datetimeFigureOut">
               <a:rPr lang="en-US" smtClean="0"/>
-              <a:t>8/7/2021</a:t>
+              <a:t>8/11/2021</a:t>
             </a:fld>
             <a:endParaRPr lang="en-US"/>
           </a:p>
@@ -4627,7 +4688,7 @@
           <a:p>
             <a:fld id="{910A7B94-B9CC-4B63-B0A0-7E7AC2BF170E}" type="datetimeFigureOut">
               <a:rPr lang="en-US" smtClean="0"/>
-              <a:t>8/7/2021</a:t>
+              <a:t>8/11/2021</a:t>
             </a:fld>
             <a:endParaRPr lang="en-US"/>
           </a:p>
@@ -5020,7 +5081,7 @@
           <a:p>
             <a:fld id="{910A7B94-B9CC-4B63-B0A0-7E7AC2BF170E}" type="datetimeFigureOut">
               <a:rPr lang="en-US" smtClean="0"/>
-              <a:t>8/7/2021</a:t>
+              <a:t>8/11/2021</a:t>
             </a:fld>
             <a:endParaRPr lang="en-US"/>
           </a:p>
@@ -5190,7 +5251,7 @@
           <a:p>
             <a:fld id="{910A7B94-B9CC-4B63-B0A0-7E7AC2BF170E}" type="datetimeFigureOut">
               <a:rPr lang="en-US" smtClean="0"/>
-              <a:t>8/7/2021</a:t>
+              <a:t>8/11/2021</a:t>
             </a:fld>
             <a:endParaRPr lang="en-US"/>
           </a:p>
@@ -5370,7 +5431,7 @@
           <a:p>
             <a:fld id="{910A7B94-B9CC-4B63-B0A0-7E7AC2BF170E}" type="datetimeFigureOut">
               <a:rPr lang="en-US" smtClean="0"/>
-              <a:t>8/7/2021</a:t>
+              <a:t>8/11/2021</a:t>
             </a:fld>
             <a:endParaRPr lang="en-US"/>
           </a:p>
@@ -5546,7 +5607,7 @@
           <a:p>
             <a:fld id="{910A7B94-B9CC-4B63-B0A0-7E7AC2BF170E}" type="datetimeFigureOut">
               <a:rPr lang="en-US" smtClean="0"/>
-              <a:t>8/7/2021</a:t>
+              <a:t>8/11/2021</a:t>
             </a:fld>
             <a:endParaRPr lang="en-US"/>
           </a:p>
@@ -5793,7 +5854,7 @@
           <a:p>
             <a:fld id="{910A7B94-B9CC-4B63-B0A0-7E7AC2BF170E}" type="datetimeFigureOut">
               <a:rPr lang="en-US" smtClean="0"/>
-              <a:t>8/7/2021</a:t>
+              <a:t>8/11/2021</a:t>
             </a:fld>
             <a:endParaRPr lang="en-US"/>
           </a:p>
@@ -6025,7 +6086,7 @@
           <a:p>
             <a:fld id="{910A7B94-B9CC-4B63-B0A0-7E7AC2BF170E}" type="datetimeFigureOut">
               <a:rPr lang="en-US" smtClean="0"/>
-              <a:t>8/7/2021</a:t>
+              <a:t>8/11/2021</a:t>
             </a:fld>
             <a:endParaRPr lang="en-US"/>
           </a:p>
@@ -6399,7 +6460,7 @@
           <a:p>
             <a:fld id="{910A7B94-B9CC-4B63-B0A0-7E7AC2BF170E}" type="datetimeFigureOut">
               <a:rPr lang="en-US" smtClean="0"/>
-              <a:t>8/7/2021</a:t>
+              <a:t>8/11/2021</a:t>
             </a:fld>
             <a:endParaRPr lang="en-US"/>
           </a:p>
@@ -6522,7 +6583,7 @@
           <a:p>
             <a:fld id="{910A7B94-B9CC-4B63-B0A0-7E7AC2BF170E}" type="datetimeFigureOut">
               <a:rPr lang="en-US" smtClean="0"/>
-              <a:t>8/7/2021</a:t>
+              <a:t>8/11/2021</a:t>
             </a:fld>
             <a:endParaRPr lang="en-US"/>
           </a:p>
@@ -6617,7 +6678,7 @@
           <a:p>
             <a:fld id="{910A7B94-B9CC-4B63-B0A0-7E7AC2BF170E}" type="datetimeFigureOut">
               <a:rPr lang="en-US" smtClean="0"/>
-              <a:t>8/7/2021</a:t>
+              <a:t>8/11/2021</a:t>
             </a:fld>
             <a:endParaRPr lang="en-US"/>
           </a:p>
@@ -6872,7 +6933,7 @@
           <a:p>
             <a:fld id="{910A7B94-B9CC-4B63-B0A0-7E7AC2BF170E}" type="datetimeFigureOut">
               <a:rPr lang="en-US" smtClean="0"/>
-              <a:t>8/7/2021</a:t>
+              <a:t>8/11/2021</a:t>
             </a:fld>
             <a:endParaRPr lang="en-US"/>
           </a:p>
@@ -7134,7 +7195,7 @@
           <a:p>
             <a:fld id="{910A7B94-B9CC-4B63-B0A0-7E7AC2BF170E}" type="datetimeFigureOut">
               <a:rPr lang="en-US" smtClean="0"/>
-              <a:t>8/7/2021</a:t>
+              <a:t>8/11/2021</a:t>
             </a:fld>
             <a:endParaRPr lang="en-US"/>
           </a:p>
@@ -7877,7 +7938,7 @@
           <a:p>
             <a:fld id="{910A7B94-B9CC-4B63-B0A0-7E7AC2BF170E}" type="datetimeFigureOut">
               <a:rPr lang="en-US" smtClean="0"/>
-              <a:t>8/7/2021</a:t>
+              <a:t>8/11/2021</a:t>
             </a:fld>
             <a:endParaRPr lang="en-US"/>
           </a:p>
@@ -8717,7 +8778,7 @@
   <p:clrMapOvr>
     <a:masterClrMapping/>
   </p:clrMapOvr>
-  <p:transition spd="slow">
+  <p:transition>
     <p:push dir="u"/>
   </p:transition>
 </p:sld>
@@ -9116,7 +9177,7 @@
   <p:clrMapOvr>
     <a:masterClrMapping/>
   </p:clrMapOvr>
-  <p:transition spd="slow">
+  <p:transition>
     <p:push dir="u"/>
   </p:transition>
   <p:timing>
@@ -9739,9 +9800,6 @@
   <p:clrMapOvr>
     <a:masterClrMapping/>
   </p:clrMapOvr>
-  <p:transition spd="slow">
-    <p:push dir="u"/>
-  </p:transition>
   <p:timing>
     <p:tnLst>
       <p:par>
@@ -10428,6 +10486,364 @@
           </a:p>
         </p:txBody>
       </p:sp>
+      <p:grpSp>
+        <p:nvGrpSpPr>
+          <p:cNvPr id="4" name="Group 3">
+            <a:extLst>
+              <a:ext uri="{FF2B5EF4-FFF2-40B4-BE49-F238E27FC236}">
+                <a16:creationId xmlns:a16="http://schemas.microsoft.com/office/drawing/2014/main" id="{492C0D55-E3C2-414D-9449-E8DE3F1DC4DB}"/>
+              </a:ext>
+            </a:extLst>
+          </p:cNvPr>
+          <p:cNvGrpSpPr/>
+          <p:nvPr/>
+        </p:nvGrpSpPr>
+        <p:grpSpPr>
+          <a:xfrm>
+            <a:off x="288758" y="549497"/>
+            <a:ext cx="4067827" cy="2579664"/>
+            <a:chOff x="212646" y="3663432"/>
+            <a:chExt cx="4067827" cy="2579664"/>
+          </a:xfrm>
+        </p:grpSpPr>
+        <p:sp>
+          <p:nvSpPr>
+            <p:cNvPr id="7" name="Rectangle: Rounded Corners 6">
+              <a:extLst>
+                <a:ext uri="{FF2B5EF4-FFF2-40B4-BE49-F238E27FC236}">
+                  <a16:creationId xmlns:a16="http://schemas.microsoft.com/office/drawing/2014/main" id="{8D1D8B8D-13CD-4A48-80AD-F7D44078D8E1}"/>
+                </a:ext>
+              </a:extLst>
+            </p:cNvPr>
+            <p:cNvSpPr/>
+            <p:nvPr/>
+          </p:nvSpPr>
+          <p:spPr>
+            <a:xfrm>
+              <a:off x="1049526" y="3663432"/>
+              <a:ext cx="2394065" cy="981788"/>
+            </a:xfrm>
+            <a:prstGeom prst="roundRect">
+              <a:avLst/>
+            </a:prstGeom>
+          </p:spPr>
+          <p:style>
+            <a:lnRef idx="2">
+              <a:schemeClr val="accent1">
+                <a:shade val="50000"/>
+              </a:schemeClr>
+            </a:lnRef>
+            <a:fillRef idx="1">
+              <a:schemeClr val="accent1"/>
+            </a:fillRef>
+            <a:effectRef idx="0">
+              <a:schemeClr val="accent1"/>
+            </a:effectRef>
+            <a:fontRef idx="minor">
+              <a:schemeClr val="lt1"/>
+            </a:fontRef>
+          </p:style>
+          <p:txBody>
+            <a:bodyPr rtlCol="0" anchor="ctr"/>
+            <a:lstStyle/>
+            <a:p>
+              <a:pPr algn="ctr"/>
+              <a:r>
+                <a:rPr lang="vi-VN" sz="3000">
+                  <a:latin typeface="Times New Roman" panose="02020603050405020304" pitchFamily="18" charset="0"/>
+                  <a:cs typeface="Times New Roman" panose="02020603050405020304" pitchFamily="18" charset="0"/>
+                </a:rPr>
+                <a:t>Giai đoạn 1:</a:t>
+              </a:r>
+              <a:endParaRPr lang="en-US" sz="3000" dirty="0">
+                <a:latin typeface="Times New Roman" panose="02020603050405020304" pitchFamily="18" charset="0"/>
+                <a:cs typeface="Times New Roman" panose="02020603050405020304" pitchFamily="18" charset="0"/>
+              </a:endParaRPr>
+            </a:p>
+          </p:txBody>
+        </p:sp>
+        <p:sp>
+          <p:nvSpPr>
+            <p:cNvPr id="9" name="Rectangle: Rounded Corners 8">
+              <a:extLst>
+                <a:ext uri="{FF2B5EF4-FFF2-40B4-BE49-F238E27FC236}">
+                  <a16:creationId xmlns:a16="http://schemas.microsoft.com/office/drawing/2014/main" id="{567ECB0E-B459-4C65-B90F-E62F6A2758B1}"/>
+                </a:ext>
+              </a:extLst>
+            </p:cNvPr>
+            <p:cNvSpPr/>
+            <p:nvPr/>
+          </p:nvSpPr>
+          <p:spPr>
+            <a:xfrm>
+              <a:off x="212646" y="5261308"/>
+              <a:ext cx="4067827" cy="981788"/>
+            </a:xfrm>
+            <a:prstGeom prst="roundRect">
+              <a:avLst/>
+            </a:prstGeom>
+          </p:spPr>
+          <p:style>
+            <a:lnRef idx="2">
+              <a:schemeClr val="accent1">
+                <a:shade val="50000"/>
+              </a:schemeClr>
+            </a:lnRef>
+            <a:fillRef idx="1">
+              <a:schemeClr val="accent1"/>
+            </a:fillRef>
+            <a:effectRef idx="0">
+              <a:schemeClr val="accent1"/>
+            </a:effectRef>
+            <a:fontRef idx="minor">
+              <a:schemeClr val="lt1"/>
+            </a:fontRef>
+          </p:style>
+          <p:txBody>
+            <a:bodyPr rtlCol="0" anchor="ctr"/>
+            <a:lstStyle/>
+            <a:p>
+              <a:pPr algn="ctr"/>
+              <a:r>
+                <a:rPr lang="vi-VN" sz="3000">
+                  <a:latin typeface="Times New Roman" panose="02020603050405020304" pitchFamily="18" charset="0"/>
+                  <a:cs typeface="Times New Roman" panose="02020603050405020304" pitchFamily="18" charset="0"/>
+                </a:rPr>
+                <a:t>Xác định loại kiến thức</a:t>
+              </a:r>
+              <a:endParaRPr lang="en-US" sz="3000" dirty="0">
+                <a:latin typeface="Times New Roman" panose="02020603050405020304" pitchFamily="18" charset="0"/>
+                <a:cs typeface="Times New Roman" panose="02020603050405020304" pitchFamily="18" charset="0"/>
+              </a:endParaRPr>
+            </a:p>
+          </p:txBody>
+        </p:sp>
+        <p:sp>
+          <p:nvSpPr>
+            <p:cNvPr id="2" name="Arrow: Down 1">
+              <a:extLst>
+                <a:ext uri="{FF2B5EF4-FFF2-40B4-BE49-F238E27FC236}">
+                  <a16:creationId xmlns:a16="http://schemas.microsoft.com/office/drawing/2014/main" id="{6986CA9D-3F85-478F-8AC8-F8D0F23283C9}"/>
+                </a:ext>
+              </a:extLst>
+            </p:cNvPr>
+            <p:cNvSpPr/>
+            <p:nvPr/>
+          </p:nvSpPr>
+          <p:spPr>
+            <a:xfrm>
+              <a:off x="2111493" y="4717981"/>
+              <a:ext cx="265947" cy="479990"/>
+            </a:xfrm>
+            <a:prstGeom prst="downArrow">
+              <a:avLst/>
+            </a:prstGeom>
+          </p:spPr>
+          <p:style>
+            <a:lnRef idx="2">
+              <a:schemeClr val="accent1">
+                <a:shade val="50000"/>
+              </a:schemeClr>
+            </a:lnRef>
+            <a:fillRef idx="1">
+              <a:schemeClr val="accent1"/>
+            </a:fillRef>
+            <a:effectRef idx="0">
+              <a:schemeClr val="accent1"/>
+            </a:effectRef>
+            <a:fontRef idx="minor">
+              <a:schemeClr val="lt1"/>
+            </a:fontRef>
+          </p:style>
+          <p:txBody>
+            <a:bodyPr rtlCol="0" anchor="ctr"/>
+            <a:lstStyle/>
+            <a:p>
+              <a:pPr algn="ctr"/>
+              <a:endParaRPr lang="en-US"/>
+            </a:p>
+          </p:txBody>
+        </p:sp>
+      </p:grpSp>
+      <p:grpSp>
+        <p:nvGrpSpPr>
+          <p:cNvPr id="5" name="Group 4">
+            <a:extLst>
+              <a:ext uri="{FF2B5EF4-FFF2-40B4-BE49-F238E27FC236}">
+                <a16:creationId xmlns:a16="http://schemas.microsoft.com/office/drawing/2014/main" id="{135DC0AA-CDDC-4510-A366-821DD9AA4F2B}"/>
+              </a:ext>
+            </a:extLst>
+          </p:cNvPr>
+          <p:cNvGrpSpPr/>
+          <p:nvPr/>
+        </p:nvGrpSpPr>
+        <p:grpSpPr>
+          <a:xfrm>
+            <a:off x="4356585" y="3363422"/>
+            <a:ext cx="5618490" cy="2587328"/>
+            <a:chOff x="5798179" y="3663432"/>
+            <a:chExt cx="5618490" cy="2587328"/>
+          </a:xfrm>
+        </p:grpSpPr>
+        <p:sp>
+          <p:nvSpPr>
+            <p:cNvPr id="8" name="Rectangle: Rounded Corners 7">
+              <a:extLst>
+                <a:ext uri="{FF2B5EF4-FFF2-40B4-BE49-F238E27FC236}">
+                  <a16:creationId xmlns:a16="http://schemas.microsoft.com/office/drawing/2014/main" id="{3CBC33F5-1C7B-4E8D-9074-8F24FA4289E1}"/>
+                </a:ext>
+              </a:extLst>
+            </p:cNvPr>
+            <p:cNvSpPr/>
+            <p:nvPr/>
+          </p:nvSpPr>
+          <p:spPr>
+            <a:xfrm>
+              <a:off x="7410392" y="3663432"/>
+              <a:ext cx="2394065" cy="981788"/>
+            </a:xfrm>
+            <a:prstGeom prst="roundRect">
+              <a:avLst/>
+            </a:prstGeom>
+          </p:spPr>
+          <p:style>
+            <a:lnRef idx="2">
+              <a:schemeClr val="accent1">
+                <a:shade val="50000"/>
+              </a:schemeClr>
+            </a:lnRef>
+            <a:fillRef idx="1">
+              <a:schemeClr val="accent1"/>
+            </a:fillRef>
+            <a:effectRef idx="0">
+              <a:schemeClr val="accent1"/>
+            </a:effectRef>
+            <a:fontRef idx="minor">
+              <a:schemeClr val="lt1"/>
+            </a:fontRef>
+          </p:style>
+          <p:txBody>
+            <a:bodyPr rtlCol="0" anchor="ctr"/>
+            <a:lstStyle/>
+            <a:p>
+              <a:pPr algn="ctr"/>
+              <a:r>
+                <a:rPr lang="vi-VN" sz="3000">
+                  <a:latin typeface="Times New Roman" panose="02020603050405020304" pitchFamily="18" charset="0"/>
+                  <a:cs typeface="Times New Roman" panose="02020603050405020304" pitchFamily="18" charset="0"/>
+                </a:rPr>
+                <a:t>Giai đoạn 2:</a:t>
+              </a:r>
+              <a:endParaRPr lang="en-US" sz="3000" dirty="0">
+                <a:latin typeface="Times New Roman" panose="02020603050405020304" pitchFamily="18" charset="0"/>
+                <a:cs typeface="Times New Roman" panose="02020603050405020304" pitchFamily="18" charset="0"/>
+              </a:endParaRPr>
+            </a:p>
+          </p:txBody>
+        </p:sp>
+        <p:sp>
+          <p:nvSpPr>
+            <p:cNvPr id="10" name="Rectangle: Rounded Corners 9">
+              <a:extLst>
+                <a:ext uri="{FF2B5EF4-FFF2-40B4-BE49-F238E27FC236}">
+                  <a16:creationId xmlns:a16="http://schemas.microsoft.com/office/drawing/2014/main" id="{42C5BBC2-AE13-45B0-9D3C-C6578725C95C}"/>
+                </a:ext>
+              </a:extLst>
+            </p:cNvPr>
+            <p:cNvSpPr/>
+            <p:nvPr/>
+          </p:nvSpPr>
+          <p:spPr>
+            <a:xfrm>
+              <a:off x="5798179" y="5268972"/>
+              <a:ext cx="5618490" cy="981788"/>
+            </a:xfrm>
+            <a:prstGeom prst="roundRect">
+              <a:avLst/>
+            </a:prstGeom>
+          </p:spPr>
+          <p:style>
+            <a:lnRef idx="2">
+              <a:schemeClr val="accent1">
+                <a:shade val="50000"/>
+              </a:schemeClr>
+            </a:lnRef>
+            <a:fillRef idx="1">
+              <a:schemeClr val="accent1"/>
+            </a:fillRef>
+            <a:effectRef idx="0">
+              <a:schemeClr val="accent1"/>
+            </a:effectRef>
+            <a:fontRef idx="minor">
+              <a:schemeClr val="lt1"/>
+            </a:fontRef>
+          </p:style>
+          <p:txBody>
+            <a:bodyPr rtlCol="0" anchor="ctr"/>
+            <a:lstStyle/>
+            <a:p>
+              <a:pPr algn="ctr"/>
+              <a:r>
+                <a:rPr lang="vi-VN" sz="3000">
+                  <a:latin typeface="Times New Roman" panose="02020603050405020304" pitchFamily="18" charset="0"/>
+                  <a:cs typeface="Times New Roman" panose="02020603050405020304" pitchFamily="18" charset="0"/>
+                </a:rPr>
+                <a:t>So khớp kiến thức cần tra cứu và nội dung trong thành phần tri thức</a:t>
+              </a:r>
+              <a:endParaRPr lang="en-US" sz="3000" dirty="0">
+                <a:latin typeface="Times New Roman" panose="02020603050405020304" pitchFamily="18" charset="0"/>
+                <a:cs typeface="Times New Roman" panose="02020603050405020304" pitchFamily="18" charset="0"/>
+              </a:endParaRPr>
+            </a:p>
+          </p:txBody>
+        </p:sp>
+        <p:sp>
+          <p:nvSpPr>
+            <p:cNvPr id="12" name="Arrow: Down 11">
+              <a:extLst>
+                <a:ext uri="{FF2B5EF4-FFF2-40B4-BE49-F238E27FC236}">
+                  <a16:creationId xmlns:a16="http://schemas.microsoft.com/office/drawing/2014/main" id="{76FEF236-7129-48E9-A4D7-CD67D88FF798}"/>
+                </a:ext>
+              </a:extLst>
+            </p:cNvPr>
+            <p:cNvSpPr/>
+            <p:nvPr/>
+          </p:nvSpPr>
+          <p:spPr>
+            <a:xfrm>
+              <a:off x="8474450" y="4717981"/>
+              <a:ext cx="265947" cy="479990"/>
+            </a:xfrm>
+            <a:prstGeom prst="downArrow">
+              <a:avLst/>
+            </a:prstGeom>
+          </p:spPr>
+          <p:style>
+            <a:lnRef idx="2">
+              <a:schemeClr val="accent1">
+                <a:shade val="50000"/>
+              </a:schemeClr>
+            </a:lnRef>
+            <a:fillRef idx="1">
+              <a:schemeClr val="accent1"/>
+            </a:fillRef>
+            <a:effectRef idx="0">
+              <a:schemeClr val="accent1"/>
+            </a:effectRef>
+            <a:fontRef idx="minor">
+              <a:schemeClr val="lt1"/>
+            </a:fontRef>
+          </p:style>
+          <p:txBody>
+            <a:bodyPr rtlCol="0" anchor="ctr"/>
+            <a:lstStyle/>
+            <a:p>
+              <a:pPr algn="ctr"/>
+              <a:endParaRPr lang="en-US"/>
+            </a:p>
+          </p:txBody>
+        </p:sp>
+      </p:grpSp>
     </p:spTree>
     <p:extLst>
       <p:ext uri="{BB962C8B-B14F-4D97-AF65-F5344CB8AC3E}">
@@ -10438,7 +10854,7 @@
   <p:clrMapOvr>
     <a:masterClrMapping/>
   </p:clrMapOvr>
-  <p:transition spd="slow">
+  <p:transition>
     <p:push dir="u"/>
   </p:transition>
   <p:timing>
@@ -10700,6 +11116,112 @@
                       </p:childTnLst>
                     </p:cTn>
                   </p:par>
+                  <p:par>
+                    <p:cTn id="26" fill="hold">
+                      <p:stCondLst>
+                        <p:cond delay="indefinite"/>
+                      </p:stCondLst>
+                      <p:childTnLst>
+                        <p:par>
+                          <p:cTn id="27" fill="hold">
+                            <p:stCondLst>
+                              <p:cond delay="0"/>
+                            </p:stCondLst>
+                            <p:childTnLst>
+                              <p:par>
+                                <p:cTn id="28" presetID="22" presetClass="entr" presetSubtype="1" fill="hold" nodeType="clickEffect">
+                                  <p:stCondLst>
+                                    <p:cond delay="0"/>
+                                  </p:stCondLst>
+                                  <p:childTnLst>
+                                    <p:set>
+                                      <p:cBhvr>
+                                        <p:cTn id="29" dur="1" fill="hold">
+                                          <p:stCondLst>
+                                            <p:cond delay="0"/>
+                                          </p:stCondLst>
+                                        </p:cTn>
+                                        <p:tgtEl>
+                                          <p:spTgt spid="4"/>
+                                        </p:tgtEl>
+                                        <p:attrNameLst>
+                                          <p:attrName>style.visibility</p:attrName>
+                                        </p:attrNameLst>
+                                      </p:cBhvr>
+                                      <p:to>
+                                        <p:strVal val="visible"/>
+                                      </p:to>
+                                    </p:set>
+                                    <p:animEffect transition="in" filter="wipe(up)">
+                                      <p:cBhvr>
+                                        <p:cTn id="30" dur="500"/>
+                                        <p:tgtEl>
+                                          <p:spTgt spid="4"/>
+                                        </p:tgtEl>
+                                      </p:cBhvr>
+                                    </p:animEffect>
+                                  </p:childTnLst>
+                                </p:cTn>
+                              </p:par>
+                            </p:childTnLst>
+                          </p:cTn>
+                        </p:par>
+                      </p:childTnLst>
+                    </p:cTn>
+                  </p:par>
+                  <p:par>
+                    <p:cTn id="31" fill="hold">
+                      <p:stCondLst>
+                        <p:cond delay="indefinite"/>
+                      </p:stCondLst>
+                      <p:childTnLst>
+                        <p:par>
+                          <p:cTn id="32" fill="hold">
+                            <p:stCondLst>
+                              <p:cond delay="0"/>
+                            </p:stCondLst>
+                            <p:childTnLst>
+                              <p:par>
+                                <p:cTn id="33" presetID="22" presetClass="entr" presetSubtype="1" fill="hold" nodeType="clickEffect">
+                                  <p:stCondLst>
+                                    <p:cond delay="0"/>
+                                  </p:stCondLst>
+                                  <p:childTnLst>
+                                    <p:set>
+                                      <p:cBhvr>
+                                        <p:cTn id="34" dur="1" fill="hold">
+                                          <p:stCondLst>
+                                            <p:cond delay="0"/>
+                                          </p:stCondLst>
+                                        </p:cTn>
+                                        <p:tgtEl>
+                                          <p:spTgt spid="5"/>
+                                        </p:tgtEl>
+                                        <p:attrNameLst>
+                                          <p:attrName>style.visibility</p:attrName>
+                                        </p:attrNameLst>
+                                      </p:cBhvr>
+                                      <p:to>
+                                        <p:strVal val="visible"/>
+                                      </p:to>
+                                    </p:set>
+                                    <p:animEffect transition="in" filter="wipe(up)">
+                                      <p:cBhvr>
+                                        <p:cTn id="35" dur="500"/>
+                                        <p:tgtEl>
+                                          <p:spTgt spid="5"/>
+                                        </p:tgtEl>
+                                      </p:cBhvr>
+                                    </p:animEffect>
+                                  </p:childTnLst>
+                                </p:cTn>
+                              </p:par>
+                            </p:childTnLst>
+                          </p:cTn>
+                        </p:par>
+                      </p:childTnLst>
+                    </p:cTn>
+                  </p:par>
                 </p:childTnLst>
               </p:cTn>
               <p:prevCondLst>
@@ -11164,7 +11686,7 @@
   <p:clrMapOvr>
     <a:masterClrMapping/>
   </p:clrMapOvr>
-  <p:transition spd="slow">
+  <p:transition>
     <p:push dir="u"/>
   </p:transition>
   <p:timing>
@@ -12259,7 +12781,7 @@
   <p:clrMapOvr>
     <a:masterClrMapping/>
   </p:clrMapOvr>
-  <p:transition spd="slow">
+  <p:transition>
     <p:push dir="u"/>
   </p:transition>
   <p:timing>
@@ -12274,6 +12796,9 @@
                     <p:cTn id="3" fill="hold">
                       <p:stCondLst>
                         <p:cond delay="indefinite"/>
+                        <p:cond evt="onBegin" delay="0">
+                          <p:tn val="2"/>
+                        </p:cond>
                       </p:stCondLst>
                       <p:childTnLst>
                         <p:par>
@@ -12283,7 +12808,7 @@
                             </p:stCondLst>
                             <p:childTnLst>
                               <p:par>
-                                <p:cTn id="5" presetID="10" presetClass="exit" presetSubtype="0" fill="hold" grpId="0" nodeType="clickEffect">
+                                <p:cTn id="5" presetID="10" presetClass="exit" presetSubtype="0" fill="hold" grpId="0" nodeType="withEffect">
                                   <p:stCondLst>
                                     <p:cond delay="0"/>
                                   </p:stCondLst>
@@ -12422,33 +12947,15 @@
                                   </p:childTnLst>
                                 </p:cTn>
                               </p:par>
-                            </p:childTnLst>
-                          </p:cTn>
-                        </p:par>
-                      </p:childTnLst>
-                    </p:cTn>
-                  </p:par>
-                  <p:par>
-                    <p:cTn id="17" fill="hold">
-                      <p:stCondLst>
-                        <p:cond delay="indefinite"/>
-                      </p:stCondLst>
-                      <p:childTnLst>
-                        <p:par>
-                          <p:cTn id="18" fill="hold">
-                            <p:stCondLst>
-                              <p:cond delay="0"/>
-                            </p:stCondLst>
-                            <p:childTnLst>
                               <p:par>
-                                <p:cTn id="19" presetID="42" presetClass="path" presetSubtype="0" accel="50000" decel="50000" fill="hold" grpId="0" nodeType="clickEffect">
+                                <p:cTn id="17" presetID="42" presetClass="path" presetSubtype="0" accel="50000" decel="50000" fill="hold" grpId="0" nodeType="withEffect">
                                   <p:stCondLst>
-                                    <p:cond delay="0"/>
+                                    <p:cond delay="750"/>
                                   </p:stCondLst>
                                   <p:childTnLst>
                                     <p:animMotion origin="layout" path="M -1.875E-6 -1.85185E-6 L 0.00026 -0.44861 " pathEditMode="relative" rAng="0" ptsTypes="AA">
                                       <p:cBhvr>
-                                        <p:cTn id="20" dur="1000" fill="hold"/>
+                                        <p:cTn id="18" dur="1000" fill="hold"/>
                                         <p:tgtEl>
                                           <p:spTgt spid="7"/>
                                         </p:tgtEl>
@@ -12764,7 +13271,7 @@
   <p:clrMapOvr>
     <a:masterClrMapping/>
   </p:clrMapOvr>
-  <p:transition spd="slow">
+  <p:transition>
     <p:push dir="u"/>
   </p:transition>
   <p:timing>
@@ -13150,7 +13657,7 @@
   <p:clrMapOvr>
     <a:masterClrMapping/>
   </p:clrMapOvr>
-  <p:transition spd="slow">
+  <p:transition>
     <p:push dir="u"/>
   </p:transition>
   <p:timing>
@@ -14093,7 +14600,7 @@
   <p:clrMapOvr>
     <a:masterClrMapping/>
   </p:clrMapOvr>
-  <p:transition spd="slow">
+  <p:transition>
     <p:push dir="u"/>
   </p:transition>
   <p:timing>
@@ -14108,6 +14615,9 @@
                     <p:cTn id="3" fill="hold">
                       <p:stCondLst>
                         <p:cond delay="indefinite"/>
+                        <p:cond evt="onBegin" delay="0">
+                          <p:tn val="2"/>
+                        </p:cond>
                       </p:stCondLst>
                       <p:childTnLst>
                         <p:par>
@@ -14117,7 +14627,7 @@
                             </p:stCondLst>
                             <p:childTnLst>
                               <p:par>
-                                <p:cTn id="5" presetID="10" presetClass="exit" presetSubtype="0" fill="hold" grpId="0" nodeType="clickEffect">
+                                <p:cTn id="5" presetID="10" presetClass="exit" presetSubtype="0" fill="hold" grpId="0" nodeType="withEffect">
                                   <p:stCondLst>
                                     <p:cond delay="0"/>
                                   </p:stCondLst>
@@ -14256,33 +14766,15 @@
                                   </p:childTnLst>
                                 </p:cTn>
                               </p:par>
-                            </p:childTnLst>
-                          </p:cTn>
-                        </p:par>
-                      </p:childTnLst>
-                    </p:cTn>
-                  </p:par>
-                  <p:par>
-                    <p:cTn id="17" fill="hold">
-                      <p:stCondLst>
-                        <p:cond delay="indefinite"/>
-                      </p:stCondLst>
-                      <p:childTnLst>
-                        <p:par>
-                          <p:cTn id="18" fill="hold">
-                            <p:stCondLst>
-                              <p:cond delay="0"/>
-                            </p:stCondLst>
-                            <p:childTnLst>
                               <p:par>
-                                <p:cTn id="19" presetID="42" presetClass="path" presetSubtype="0" accel="50000" decel="50000" fill="hold" grpId="0" nodeType="clickEffect">
+                                <p:cTn id="17" presetID="42" presetClass="path" presetSubtype="0" accel="50000" decel="50000" fill="hold" grpId="0" nodeType="withEffect">
                                   <p:stCondLst>
-                                    <p:cond delay="0"/>
+                                    <p:cond delay="750"/>
                                   </p:stCondLst>
                                   <p:childTnLst>
                                     <p:animMotion origin="layout" path="M -1.875E-6 -1.85185E-6 L 0.00026 -0.59236 " pathEditMode="relative" rAng="0" ptsTypes="AA">
                                       <p:cBhvr>
-                                        <p:cTn id="20" dur="1000" fill="hold"/>
+                                        <p:cTn id="18" dur="1000" fill="hold"/>
                                         <p:tgtEl>
                                           <p:spTgt spid="8"/>
                                         </p:tgtEl>
@@ -14622,14 +15114,12 @@
           <a:p>
             <a:r>
               <a:rPr lang="vi-VN" sz="3000">
-                <a:effectLst/>
-                <a:latin typeface="Times New Roman" panose="02020603050405020304" pitchFamily="18" charset="0"/>
-                <a:cs typeface="Times New Roman" panose="02020603050405020304" pitchFamily="18" charset="0"/>
-              </a:rPr>
-              <a:t>- Hệ thống được áp dụng để xây dựng nên trang web hỗ trợ việc tra cứu kiến thức.</a:t>
+                <a:latin typeface="Times New Roman" panose="02020603050405020304" pitchFamily="18" charset="0"/>
+                <a:cs typeface="Times New Roman" panose="02020603050405020304" pitchFamily="18" charset="0"/>
+              </a:rPr>
+              <a:t>- Hệ thống có khả năng phát triển lên nhiều trường kiến thức khác nhau.</a:t>
             </a:r>
             <a:endParaRPr lang="en-US" sz="3000">
-              <a:effectLst/>
               <a:latin typeface="Times New Roman" panose="02020603050405020304" pitchFamily="18" charset="0"/>
               <a:cs typeface="Times New Roman" panose="02020603050405020304" pitchFamily="18" charset="0"/>
             </a:endParaRPr>
@@ -14670,7 +15160,7 @@
                 <a:latin typeface="Times New Roman" panose="02020603050405020304" pitchFamily="18" charset="0"/>
                 <a:cs typeface="Times New Roman" panose="02020603050405020304" pitchFamily="18" charset="0"/>
               </a:rPr>
-              <a:t>- Hệ thống có khả năng phát triển lên nhiều trường kiến thức khác nhau.</a:t>
+              <a:t>- Hệ thống còn có nhiều thiếu sót trong việc cập nhật tri thức mới</a:t>
             </a:r>
             <a:endParaRPr lang="en-US" sz="3000">
               <a:effectLst/>
@@ -14690,7 +15180,7 @@
   <p:clrMapOvr>
     <a:masterClrMapping/>
   </p:clrMapOvr>
-  <p:transition spd="slow">
+  <p:transition>
     <p:push dir="u"/>
   </p:transition>
   <p:timing>
@@ -15222,7 +15712,7 @@
   <p:clrMapOvr>
     <a:masterClrMapping/>
   </p:clrMapOvr>
-  <p:transition spd="slow">
+  <p:transition>
     <p:push dir="u"/>
   </p:transition>
   <p:timing>
@@ -15237,6 +15727,9 @@
                     <p:cTn id="3" fill="hold">
                       <p:stCondLst>
                         <p:cond delay="indefinite"/>
+                        <p:cond evt="onBegin" delay="0">
+                          <p:tn val="2"/>
+                        </p:cond>
                       </p:stCondLst>
                       <p:childTnLst>
                         <p:par>
@@ -15246,9 +15739,9 @@
                             </p:stCondLst>
                             <p:childTnLst>
                               <p:par>
-                                <p:cTn id="5" presetID="22" presetClass="entr" presetSubtype="4" fill="hold" grpId="0" nodeType="clickEffect">
+                                <p:cTn id="5" presetID="22" presetClass="entr" presetSubtype="4" fill="hold" grpId="0" nodeType="withEffect">
                                   <p:stCondLst>
-                                    <p:cond delay="0"/>
+                                    <p:cond delay="750"/>
                                   </p:stCondLst>
                                   <p:childTnLst>
                                     <p:set>
@@ -16062,7 +16555,7 @@
   <p:clrMapOvr>
     <a:masterClrMapping/>
   </p:clrMapOvr>
-  <p:transition spd="slow">
+  <p:transition>
     <p:push dir="u"/>
   </p:transition>
   <p:timing>
@@ -16518,7 +17011,7 @@
   <p:clrMapOvr>
     <a:masterClrMapping/>
   </p:clrMapOvr>
-  <p:transition spd="slow">
+  <p:transition>
     <p:push dir="u"/>
   </p:transition>
 </p:sld>
@@ -16774,7 +17267,7 @@
   <p:clrMapOvr>
     <a:masterClrMapping/>
   </p:clrMapOvr>
-  <p:transition spd="slow">
+  <p:transition>
     <p:push dir="u"/>
   </p:transition>
   <p:timing>
@@ -17611,7 +18104,7 @@
   <p:clrMapOvr>
     <a:masterClrMapping/>
   </p:clrMapOvr>
-  <p:transition spd="slow">
+  <p:transition>
     <p:push dir="u"/>
   </p:transition>
   <p:timing>
@@ -17626,6 +18119,9 @@
                     <p:cTn id="3" fill="hold">
                       <p:stCondLst>
                         <p:cond delay="indefinite"/>
+                        <p:cond evt="onBegin" delay="0">
+                          <p:tn val="2"/>
+                        </p:cond>
                       </p:stCondLst>
                       <p:childTnLst>
                         <p:par>
@@ -17635,7 +18131,7 @@
                             </p:stCondLst>
                             <p:childTnLst>
                               <p:par>
-                                <p:cTn id="5" presetID="10" presetClass="exit" presetSubtype="0" fill="hold" grpId="0" nodeType="clickEffect">
+                                <p:cTn id="5" presetID="10" presetClass="exit" presetSubtype="0" fill="hold" grpId="0" nodeType="withEffect">
                                   <p:stCondLst>
                                     <p:cond delay="0"/>
                                   </p:stCondLst>
@@ -17774,33 +18270,15 @@
                                   </p:childTnLst>
                                 </p:cTn>
                               </p:par>
-                            </p:childTnLst>
-                          </p:cTn>
-                        </p:par>
-                      </p:childTnLst>
-                    </p:cTn>
-                  </p:par>
-                  <p:par>
-                    <p:cTn id="17" fill="hold">
-                      <p:stCondLst>
-                        <p:cond delay="indefinite"/>
-                      </p:stCondLst>
-                      <p:childTnLst>
-                        <p:par>
-                          <p:cTn id="18" fill="hold">
-                            <p:stCondLst>
-                              <p:cond delay="0"/>
-                            </p:stCondLst>
-                            <p:childTnLst>
                               <p:par>
-                                <p:cTn id="19" presetID="42" presetClass="path" presetSubtype="0" accel="50000" decel="50000" fill="hold" grpId="0" nodeType="clickEffect">
+                                <p:cTn id="17" presetID="42" presetClass="path" presetSubtype="0" accel="50000" decel="50000" fill="hold" grpId="0" nodeType="withEffect">
                                   <p:stCondLst>
-                                    <p:cond delay="0"/>
+                                    <p:cond delay="750"/>
                                   </p:stCondLst>
                                   <p:childTnLst>
                                     <p:animMotion origin="layout" path="M -1.875E-6 -4.81481E-6 L 0.00091 -0.15532 " pathEditMode="relative" rAng="0" ptsTypes="AA">
                                       <p:cBhvr>
-                                        <p:cTn id="20" dur="1000" fill="hold"/>
+                                        <p:cTn id="18" dur="1000" fill="hold"/>
                                         <p:tgtEl>
                                           <p:spTgt spid="6"/>
                                         </p:tgtEl>
@@ -18549,7 +19027,7 @@
   <p:clrMapOvr>
     <a:masterClrMapping/>
   </p:clrMapOvr>
-  <p:transition spd="slow">
+  <p:transition>
     <p:push dir="u"/>
   </p:transition>
   <p:timing>
@@ -19827,7 +20305,7 @@
   <p:clrMapOvr>
     <a:masterClrMapping/>
   </p:clrMapOvr>
-  <p:transition spd="slow">
+  <p:transition>
     <p:push dir="u"/>
   </p:transition>
   <p:timing>
@@ -21004,7 +21482,7 @@
   <p:clrMapOvr>
     <a:masterClrMapping/>
   </p:clrMapOvr>
-  <p:transition spd="slow">
+  <p:transition>
     <p:push dir="u"/>
   </p:transition>
   <p:timing>
@@ -22547,7 +23025,7 @@
   <p:clrMapOvr>
     <a:masterClrMapping/>
   </p:clrMapOvr>
-  <p:transition spd="slow">
+  <p:transition>
     <p:push dir="u"/>
   </p:transition>
   <p:timing>
@@ -23547,7 +24025,7 @@
   <p:clrMapOvr>
     <a:masterClrMapping/>
   </p:clrMapOvr>
-  <p:transition spd="slow">
+  <p:transition>
     <p:push dir="u"/>
   </p:transition>
   <p:timing>
@@ -23562,6 +24040,9 @@
                     <p:cTn id="3" fill="hold">
                       <p:stCondLst>
                         <p:cond delay="indefinite"/>
+                        <p:cond evt="onBegin" delay="0">
+                          <p:tn val="2"/>
+                        </p:cond>
                       </p:stCondLst>
                       <p:childTnLst>
                         <p:par>
@@ -23571,7 +24052,7 @@
                             </p:stCondLst>
                             <p:childTnLst>
                               <p:par>
-                                <p:cTn id="5" presetID="10" presetClass="exit" presetSubtype="0" fill="hold" grpId="0" nodeType="clickEffect">
+                                <p:cTn id="5" presetID="10" presetClass="exit" presetSubtype="0" fill="hold" grpId="0" nodeType="withEffect">
                                   <p:stCondLst>
                                     <p:cond delay="0"/>
                                   </p:stCondLst>
@@ -23710,33 +24191,15 @@
                                   </p:childTnLst>
                                 </p:cTn>
                               </p:par>
-                            </p:childTnLst>
-                          </p:cTn>
-                        </p:par>
-                      </p:childTnLst>
-                    </p:cTn>
-                  </p:par>
-                  <p:par>
-                    <p:cTn id="17" fill="hold">
-                      <p:stCondLst>
-                        <p:cond delay="indefinite"/>
-                      </p:stCondLst>
-                      <p:childTnLst>
-                        <p:par>
-                          <p:cTn id="18" fill="hold">
-                            <p:stCondLst>
-                              <p:cond delay="0"/>
-                            </p:stCondLst>
-                            <p:childTnLst>
                               <p:par>
-                                <p:cTn id="19" presetID="42" presetClass="path" presetSubtype="0" accel="50000" decel="50000" fill="hold" grpId="0" nodeType="clickEffect">
+                                <p:cTn id="17" presetID="42" presetClass="path" presetSubtype="0" accel="50000" decel="50000" fill="hold" grpId="0" nodeType="withEffect">
                                   <p:stCondLst>
-                                    <p:cond delay="0"/>
+                                    <p:cond delay="750"/>
                                   </p:stCondLst>
                                   <p:childTnLst>
                                     <p:animMotion origin="layout" path="M -1.875E-6 -1.85185E-6 L -0.00078 -0.30486 " pathEditMode="relative" rAng="0" ptsTypes="AA">
                                       <p:cBhvr>
-                                        <p:cTn id="20" dur="1000" fill="hold"/>
+                                        <p:cTn id="18" dur="1000" fill="hold"/>
                                         <p:tgtEl>
                                           <p:spTgt spid="5"/>
                                         </p:tgtEl>

--- a/BaoCaoDoAn.pptx
+++ b/BaoCaoDoAn.pptx
@@ -216,7 +216,7 @@
           <a:p>
             <a:fld id="{5FAE1646-85D0-4896-BBAF-4B30A2586235}" type="datetimeFigureOut">
               <a:rPr lang="en-US" smtClean="0"/>
-              <a:t>8/11/2021</a:t>
+              <a:t>8/13/2021</a:t>
             </a:fld>
             <a:endParaRPr lang="en-US"/>
           </a:p>
@@ -1519,7 +1519,7 @@
                 <a:latin typeface="Times New Roman" panose="02020603050405020304" pitchFamily="18" charset="0"/>
                 <a:cs typeface="Times New Roman" panose="02020603050405020304" pitchFamily="18" charset="0"/>
               </a:rPr>
-              <a:t>C là tập các khái niệm của miền tri thức. Mỗi khái niệm là một lớp các đối tượng. </a:t>
+              <a:t>C là tập các khái niệm mô tả của miền tri thức. Mỗi khái niệm là một lớp các đối tượng. </a:t>
             </a:r>
           </a:p>
           <a:p>
@@ -1679,7 +1679,7 @@
                 <a:latin typeface="Times New Roman" panose="02020603050405020304" pitchFamily="18" charset="0"/>
                 <a:cs typeface="Times New Roman" panose="02020603050405020304" pitchFamily="18" charset="0"/>
               </a:rPr>
-              <a:t>(C, R, Rules) là ontology biểu diễn tri thức quan hệ Real-model, với các khái niệm trong C được cải tiến về cấu trúc thành phần để biểu diễn chinh xác hơn ý nghĩa của khái niệm trong miền tri thức. Cải tiến chỗ nêu rõ được (Khái niệm, hoạt động, xây dựng/khởi tạo,…)</a:t>
+              <a:t>(C, R, Rules) là ontology biểu diễn tri thức quan hệ Real-model, với các khái niệm trong C được cải tiến về cấu trúc thành phần để biểu diễn chinh xác hơn ý nghĩa của khái niệm trong miền tri thức. Cải tiến chỗ nêu rõ được (Khái niệm, hoạt động, xây dựng/khởi tạo,…các quan hệ 2 ngôi giữa các khái niệm,,..)</a:t>
             </a:r>
           </a:p>
           <a:p>
@@ -2114,7 +2114,7 @@
                 <a:latin typeface="Calibri" panose="020F0502020204030204" pitchFamily="34" charset="0"/>
                 <a:cs typeface="Times New Roman" panose="02020603050405020304" pitchFamily="18" charset="0"/>
               </a:rPr>
-              <a:t>*Lưu đồ thuật toán trên biểu diễn th tổng hợp, ở đây chỉ có 1 miền tri thức ctdl</a:t>
+              <a:t>*Lưu đồ thuật toán trên biểu diễn th tổng hợp, ở đây chỉ xét tri thức ctdl</a:t>
             </a:r>
           </a:p>
           <a:p>
@@ -2680,7 +2680,7 @@
                 <a:latin typeface="Times New Roman" panose="02020603050405020304" pitchFamily="18" charset="0"/>
                 <a:ea typeface="Times New Roman" panose="02020603050405020304" pitchFamily="18" charset="0"/>
               </a:rPr>
-              <a:t>Cho K là miền tri thức dạng ontology Query-Onto, từ khóa s chỉ nội dung kiến thức được tra cứu. Thuật giải sau sẽ xác định tập hợp các kiến thức liên quan đến nội dung tra cứu s.</a:t>
+              <a:t>Cho K là miền tri thức dạng ontology Query-Onto, từ khóa s chỉ nội dung kiến thức được tra cứu. Thuật giải sau sẽ xác định tập hợp các khai niệm liên quan đến nội dung khai niệm tra cứu s.</a:t>
             </a:r>
             <a:endParaRPr lang="en-US" sz="1800">
               <a:effectLst/>
@@ -3468,7 +3468,7 @@
           <a:p>
             <a:fld id="{910A7B94-B9CC-4B63-B0A0-7E7AC2BF170E}" type="datetimeFigureOut">
               <a:rPr lang="en-US" smtClean="0"/>
-              <a:t>8/11/2021</a:t>
+              <a:t>8/13/2021</a:t>
             </a:fld>
             <a:endParaRPr lang="en-US"/>
           </a:p>
@@ -3719,7 +3719,7 @@
           <a:p>
             <a:fld id="{910A7B94-B9CC-4B63-B0A0-7E7AC2BF170E}" type="datetimeFigureOut">
               <a:rPr lang="en-US" smtClean="0"/>
-              <a:t>8/11/2021</a:t>
+              <a:t>8/13/2021</a:t>
             </a:fld>
             <a:endParaRPr lang="en-US"/>
           </a:p>
@@ -4033,7 +4033,7 @@
           <a:p>
             <a:fld id="{910A7B94-B9CC-4B63-B0A0-7E7AC2BF170E}" type="datetimeFigureOut">
               <a:rPr lang="en-US" smtClean="0"/>
-              <a:t>8/11/2021</a:t>
+              <a:t>8/13/2021</a:t>
             </a:fld>
             <a:endParaRPr lang="en-US"/>
           </a:p>
@@ -4374,7 +4374,7 @@
           <a:p>
             <a:fld id="{910A7B94-B9CC-4B63-B0A0-7E7AC2BF170E}" type="datetimeFigureOut">
               <a:rPr lang="en-US" smtClean="0"/>
-              <a:t>8/11/2021</a:t>
+              <a:t>8/13/2021</a:t>
             </a:fld>
             <a:endParaRPr lang="en-US"/>
           </a:p>
@@ -4688,7 +4688,7 @@
           <a:p>
             <a:fld id="{910A7B94-B9CC-4B63-B0A0-7E7AC2BF170E}" type="datetimeFigureOut">
               <a:rPr lang="en-US" smtClean="0"/>
-              <a:t>8/11/2021</a:t>
+              <a:t>8/13/2021</a:t>
             </a:fld>
             <a:endParaRPr lang="en-US"/>
           </a:p>
@@ -5081,7 +5081,7 @@
           <a:p>
             <a:fld id="{910A7B94-B9CC-4B63-B0A0-7E7AC2BF170E}" type="datetimeFigureOut">
               <a:rPr lang="en-US" smtClean="0"/>
-              <a:t>8/11/2021</a:t>
+              <a:t>8/13/2021</a:t>
             </a:fld>
             <a:endParaRPr lang="en-US"/>
           </a:p>
@@ -5251,7 +5251,7 @@
           <a:p>
             <a:fld id="{910A7B94-B9CC-4B63-B0A0-7E7AC2BF170E}" type="datetimeFigureOut">
               <a:rPr lang="en-US" smtClean="0"/>
-              <a:t>8/11/2021</a:t>
+              <a:t>8/13/2021</a:t>
             </a:fld>
             <a:endParaRPr lang="en-US"/>
           </a:p>
@@ -5431,7 +5431,7 @@
           <a:p>
             <a:fld id="{910A7B94-B9CC-4B63-B0A0-7E7AC2BF170E}" type="datetimeFigureOut">
               <a:rPr lang="en-US" smtClean="0"/>
-              <a:t>8/11/2021</a:t>
+              <a:t>8/13/2021</a:t>
             </a:fld>
             <a:endParaRPr lang="en-US"/>
           </a:p>
@@ -5607,7 +5607,7 @@
           <a:p>
             <a:fld id="{910A7B94-B9CC-4B63-B0A0-7E7AC2BF170E}" type="datetimeFigureOut">
               <a:rPr lang="en-US" smtClean="0"/>
-              <a:t>8/11/2021</a:t>
+              <a:t>8/13/2021</a:t>
             </a:fld>
             <a:endParaRPr lang="en-US"/>
           </a:p>
@@ -5854,7 +5854,7 @@
           <a:p>
             <a:fld id="{910A7B94-B9CC-4B63-B0A0-7E7AC2BF170E}" type="datetimeFigureOut">
               <a:rPr lang="en-US" smtClean="0"/>
-              <a:t>8/11/2021</a:t>
+              <a:t>8/13/2021</a:t>
             </a:fld>
             <a:endParaRPr lang="en-US"/>
           </a:p>
@@ -6086,7 +6086,7 @@
           <a:p>
             <a:fld id="{910A7B94-B9CC-4B63-B0A0-7E7AC2BF170E}" type="datetimeFigureOut">
               <a:rPr lang="en-US" smtClean="0"/>
-              <a:t>8/11/2021</a:t>
+              <a:t>8/13/2021</a:t>
             </a:fld>
             <a:endParaRPr lang="en-US"/>
           </a:p>
@@ -6460,7 +6460,7 @@
           <a:p>
             <a:fld id="{910A7B94-B9CC-4B63-B0A0-7E7AC2BF170E}" type="datetimeFigureOut">
               <a:rPr lang="en-US" smtClean="0"/>
-              <a:t>8/11/2021</a:t>
+              <a:t>8/13/2021</a:t>
             </a:fld>
             <a:endParaRPr lang="en-US"/>
           </a:p>
@@ -6583,7 +6583,7 @@
           <a:p>
             <a:fld id="{910A7B94-B9CC-4B63-B0A0-7E7AC2BF170E}" type="datetimeFigureOut">
               <a:rPr lang="en-US" smtClean="0"/>
-              <a:t>8/11/2021</a:t>
+              <a:t>8/13/2021</a:t>
             </a:fld>
             <a:endParaRPr lang="en-US"/>
           </a:p>
@@ -6678,7 +6678,7 @@
           <a:p>
             <a:fld id="{910A7B94-B9CC-4B63-B0A0-7E7AC2BF170E}" type="datetimeFigureOut">
               <a:rPr lang="en-US" smtClean="0"/>
-              <a:t>8/11/2021</a:t>
+              <a:t>8/13/2021</a:t>
             </a:fld>
             <a:endParaRPr lang="en-US"/>
           </a:p>
@@ -6933,7 +6933,7 @@
           <a:p>
             <a:fld id="{910A7B94-B9CC-4B63-B0A0-7E7AC2BF170E}" type="datetimeFigureOut">
               <a:rPr lang="en-US" smtClean="0"/>
-              <a:t>8/11/2021</a:t>
+              <a:t>8/13/2021</a:t>
             </a:fld>
             <a:endParaRPr lang="en-US"/>
           </a:p>
@@ -7195,7 +7195,7 @@
           <a:p>
             <a:fld id="{910A7B94-B9CC-4B63-B0A0-7E7AC2BF170E}" type="datetimeFigureOut">
               <a:rPr lang="en-US" smtClean="0"/>
-              <a:t>8/11/2021</a:t>
+              <a:t>8/13/2021</a:t>
             </a:fld>
             <a:endParaRPr lang="en-US"/>
           </a:p>
@@ -7938,7 +7938,7 @@
           <a:p>
             <a:fld id="{910A7B94-B9CC-4B63-B0A0-7E7AC2BF170E}" type="datetimeFigureOut">
               <a:rPr lang="en-US" smtClean="0"/>
-              <a:t>8/11/2021</a:t>
+              <a:t>8/13/2021</a:t>
             </a:fld>
             <a:endParaRPr lang="en-US"/>
           </a:p>
@@ -15160,7 +15160,7 @@
                 <a:latin typeface="Times New Roman" panose="02020603050405020304" pitchFamily="18" charset="0"/>
                 <a:cs typeface="Times New Roman" panose="02020603050405020304" pitchFamily="18" charset="0"/>
               </a:rPr>
-              <a:t>- Hệ thống còn có nhiều thiếu sót trong việc cập nhật tri thức mới</a:t>
+              <a:t>- Hệ thống còn có nhiều bất cập trong việc sửa chữa lại nội dung</a:t>
             </a:r>
             <a:endParaRPr lang="en-US" sz="3000">
               <a:effectLst/>
@@ -16802,194 +16802,24 @@
           <a:p>
             <a:pPr algn="ctr"/>
             <a:r>
-              <a:rPr lang="en-US" sz="5000" dirty="0" err="1">
+              <a:rPr lang="en-US" sz="5000">
                 <a:solidFill>
                   <a:schemeClr val="tx1"/>
                 </a:solidFill>
                 <a:latin typeface="Times New Roman" panose="02020603050405020304" pitchFamily="18" charset="0"/>
                 <a:cs typeface="Times New Roman" panose="02020603050405020304" pitchFamily="18" charset="0"/>
               </a:rPr>
-              <a:t>Cảm</a:t>
-            </a:r>
-            <a:r>
-              <a:rPr lang="en-US" sz="5000" dirty="0">
+              <a:t>Em xin </a:t>
+            </a:r>
+            <a:r>
+              <a:rPr lang="vi-VN" sz="5000">
                 <a:solidFill>
                   <a:schemeClr val="tx1"/>
                 </a:solidFill>
                 <a:latin typeface="Times New Roman" panose="02020603050405020304" pitchFamily="18" charset="0"/>
                 <a:cs typeface="Times New Roman" panose="02020603050405020304" pitchFamily="18" charset="0"/>
               </a:rPr>
-              <a:t> </a:t>
-            </a:r>
-            <a:r>
-              <a:rPr lang="en-US" sz="5000" dirty="0" err="1">
-                <a:solidFill>
-                  <a:schemeClr val="tx1"/>
-                </a:solidFill>
-                <a:latin typeface="Times New Roman" panose="02020603050405020304" pitchFamily="18" charset="0"/>
-                <a:cs typeface="Times New Roman" panose="02020603050405020304" pitchFamily="18" charset="0"/>
-              </a:rPr>
-              <a:t>ơn</a:t>
-            </a:r>
-            <a:r>
-              <a:rPr lang="en-US" sz="5000" dirty="0">
-                <a:solidFill>
-                  <a:schemeClr val="tx1"/>
-                </a:solidFill>
-                <a:latin typeface="Times New Roman" panose="02020603050405020304" pitchFamily="18" charset="0"/>
-                <a:cs typeface="Times New Roman" panose="02020603050405020304" pitchFamily="18" charset="0"/>
-              </a:rPr>
-              <a:t> </a:t>
-            </a:r>
-            <a:r>
-              <a:rPr lang="en-US" sz="5000" dirty="0" err="1">
-                <a:solidFill>
-                  <a:schemeClr val="tx1"/>
-                </a:solidFill>
-                <a:latin typeface="Times New Roman" panose="02020603050405020304" pitchFamily="18" charset="0"/>
-                <a:cs typeface="Times New Roman" panose="02020603050405020304" pitchFamily="18" charset="0"/>
-              </a:rPr>
-              <a:t>thầy</a:t>
-            </a:r>
-            <a:r>
-              <a:rPr lang="en-US" sz="5000" dirty="0">
-                <a:solidFill>
-                  <a:schemeClr val="tx1"/>
-                </a:solidFill>
-                <a:latin typeface="Times New Roman" panose="02020603050405020304" pitchFamily="18" charset="0"/>
-                <a:cs typeface="Times New Roman" panose="02020603050405020304" pitchFamily="18" charset="0"/>
-              </a:rPr>
-              <a:t>/</a:t>
-            </a:r>
-            <a:r>
-              <a:rPr lang="en-US" sz="5000" dirty="0" err="1">
-                <a:solidFill>
-                  <a:schemeClr val="tx1"/>
-                </a:solidFill>
-                <a:latin typeface="Times New Roman" panose="02020603050405020304" pitchFamily="18" charset="0"/>
-                <a:cs typeface="Times New Roman" panose="02020603050405020304" pitchFamily="18" charset="0"/>
-              </a:rPr>
-              <a:t>cô</a:t>
-            </a:r>
-            <a:r>
-              <a:rPr lang="en-US" sz="5000" dirty="0">
-                <a:solidFill>
-                  <a:schemeClr val="tx1"/>
-                </a:solidFill>
-                <a:latin typeface="Times New Roman" panose="02020603050405020304" pitchFamily="18" charset="0"/>
-                <a:cs typeface="Times New Roman" panose="02020603050405020304" pitchFamily="18" charset="0"/>
-              </a:rPr>
-              <a:t> </a:t>
-            </a:r>
-            <a:r>
-              <a:rPr lang="en-US" sz="5000" dirty="0" err="1">
-                <a:solidFill>
-                  <a:schemeClr val="tx1"/>
-                </a:solidFill>
-                <a:latin typeface="Times New Roman" panose="02020603050405020304" pitchFamily="18" charset="0"/>
-                <a:cs typeface="Times New Roman" panose="02020603050405020304" pitchFamily="18" charset="0"/>
-              </a:rPr>
-              <a:t>và</a:t>
-            </a:r>
-            <a:r>
-              <a:rPr lang="en-US" sz="5000" dirty="0">
-                <a:solidFill>
-                  <a:schemeClr val="tx1"/>
-                </a:solidFill>
-                <a:latin typeface="Times New Roman" panose="02020603050405020304" pitchFamily="18" charset="0"/>
-                <a:cs typeface="Times New Roman" panose="02020603050405020304" pitchFamily="18" charset="0"/>
-              </a:rPr>
-              <a:t> </a:t>
-            </a:r>
-            <a:r>
-              <a:rPr lang="en-US" sz="5000" dirty="0" err="1">
-                <a:solidFill>
-                  <a:schemeClr val="tx1"/>
-                </a:solidFill>
-                <a:latin typeface="Times New Roman" panose="02020603050405020304" pitchFamily="18" charset="0"/>
-                <a:cs typeface="Times New Roman" panose="02020603050405020304" pitchFamily="18" charset="0"/>
-              </a:rPr>
-              <a:t>các</a:t>
-            </a:r>
-            <a:r>
-              <a:rPr lang="en-US" sz="5000" dirty="0">
-                <a:solidFill>
-                  <a:schemeClr val="tx1"/>
-                </a:solidFill>
-                <a:latin typeface="Times New Roman" panose="02020603050405020304" pitchFamily="18" charset="0"/>
-                <a:cs typeface="Times New Roman" panose="02020603050405020304" pitchFamily="18" charset="0"/>
-              </a:rPr>
-              <a:t> </a:t>
-            </a:r>
-            <a:r>
-              <a:rPr lang="en-US" sz="5000" dirty="0" err="1">
-                <a:solidFill>
-                  <a:schemeClr val="tx1"/>
-                </a:solidFill>
-                <a:latin typeface="Times New Roman" panose="02020603050405020304" pitchFamily="18" charset="0"/>
-                <a:cs typeface="Times New Roman" panose="02020603050405020304" pitchFamily="18" charset="0"/>
-              </a:rPr>
-              <a:t>bạn</a:t>
-            </a:r>
-            <a:r>
-              <a:rPr lang="en-US" sz="5000" dirty="0">
-                <a:solidFill>
-                  <a:schemeClr val="tx1"/>
-                </a:solidFill>
-                <a:latin typeface="Times New Roman" panose="02020603050405020304" pitchFamily="18" charset="0"/>
-                <a:cs typeface="Times New Roman" panose="02020603050405020304" pitchFamily="18" charset="0"/>
-              </a:rPr>
-              <a:t> </a:t>
-            </a:r>
-            <a:r>
-              <a:rPr lang="en-US" sz="5000" dirty="0" err="1">
-                <a:solidFill>
-                  <a:schemeClr val="tx1"/>
-                </a:solidFill>
-                <a:latin typeface="Times New Roman" panose="02020603050405020304" pitchFamily="18" charset="0"/>
-                <a:cs typeface="Times New Roman" panose="02020603050405020304" pitchFamily="18" charset="0"/>
-              </a:rPr>
-              <a:t>đã</a:t>
-            </a:r>
-            <a:r>
-              <a:rPr lang="en-US" sz="5000" dirty="0">
-                <a:solidFill>
-                  <a:schemeClr val="tx1"/>
-                </a:solidFill>
-                <a:latin typeface="Times New Roman" panose="02020603050405020304" pitchFamily="18" charset="0"/>
-                <a:cs typeface="Times New Roman" panose="02020603050405020304" pitchFamily="18" charset="0"/>
-              </a:rPr>
-              <a:t> </a:t>
-            </a:r>
-            <a:r>
-              <a:rPr lang="en-US" sz="5000" dirty="0" err="1">
-                <a:solidFill>
-                  <a:schemeClr val="tx1"/>
-                </a:solidFill>
-                <a:latin typeface="Times New Roman" panose="02020603050405020304" pitchFamily="18" charset="0"/>
-                <a:cs typeface="Times New Roman" panose="02020603050405020304" pitchFamily="18" charset="0"/>
-              </a:rPr>
-              <a:t>lắng</a:t>
-            </a:r>
-            <a:r>
-              <a:rPr lang="en-US" sz="5000" dirty="0">
-                <a:solidFill>
-                  <a:schemeClr val="tx1"/>
-                </a:solidFill>
-                <a:latin typeface="Times New Roman" panose="02020603050405020304" pitchFamily="18" charset="0"/>
-                <a:cs typeface="Times New Roman" panose="02020603050405020304" pitchFamily="18" charset="0"/>
-              </a:rPr>
-              <a:t> </a:t>
-            </a:r>
-            <a:r>
-              <a:rPr lang="en-US" sz="5000" dirty="0" err="1">
-                <a:solidFill>
-                  <a:schemeClr val="tx1"/>
-                </a:solidFill>
-                <a:latin typeface="Times New Roman" panose="02020603050405020304" pitchFamily="18" charset="0"/>
-                <a:cs typeface="Times New Roman" panose="02020603050405020304" pitchFamily="18" charset="0"/>
-              </a:rPr>
-              <a:t>nghe</a:t>
+              <a:t>trân trọng cảm ơn quý thầy cô đã lắng nghe</a:t>
             </a:r>
             <a:endParaRPr lang="vi-VN" sz="5000" dirty="0">
               <a:solidFill>
